--- a/ForAllTheDogs.pptx
+++ b/ForAllTheDogs.pptx
@@ -5085,6 +5085,25 @@
           <a:lstStyle/>
           <a:p>
             <a:r>
+              <a:rPr lang="en-US" dirty="0"/>
+              <a:t>Č</a:t>
+            </a:r>
+            <a:r>
+              <a:rPr lang="en-GB" dirty="0" err="1"/>
+              <a:t>lanovi</a:t>
+            </a:r>
+            <a:r>
+              <a:rPr lang="en-GB" dirty="0"/>
+              <a:t> </a:t>
+            </a:r>
+            <a:r>
+              <a:rPr lang="en-GB" dirty="0" err="1"/>
+              <a:t>tima</a:t>
+            </a:r>
+            <a:endParaRPr lang="en-GB" dirty="0"/>
+          </a:p>
+          <a:p>
+            <a:r>
               <a:rPr lang="hr-HR" dirty="0"/>
               <a:t>Opis zadatka</a:t>
             </a:r>
@@ -5098,14 +5117,13 @@
           <a:p>
             <a:r>
               <a:rPr lang="hr-HR" dirty="0"/>
-              <a:t>Korišteni alati i tehnologije</a:t>
-            </a:r>
-          </a:p>
-          <a:p>
-            <a:r>
-              <a:rPr lang="hr-HR" dirty="0"/>
-              <a:t>Arhitektura</a:t>
-            </a:r>
+              <a:t>Korišteni alati </a:t>
+            </a:r>
+            <a:r>
+              <a:rPr lang="hr-HR"/>
+              <a:t>i tehnologije</a:t>
+            </a:r>
+            <a:endParaRPr lang="hr-HR" dirty="0"/>
           </a:p>
           <a:p>
             <a:r>
@@ -5227,7 +5245,12 @@
             <p:ph idx="1"/>
           </p:nvPr>
         </p:nvSpPr>
-        <p:spPr/>
+        <p:spPr>
+          <a:xfrm>
+            <a:off x="628650" y="1390522"/>
+            <a:ext cx="7886700" cy="4931327"/>
+          </a:xfrm>
+        </p:spPr>
         <p:txBody>
           <a:bodyPr>
             <a:normAutofit/>
@@ -5242,11 +5265,11 @@
           <a:p>
             <a:r>
               <a:rPr lang="hr-HR" sz="2400" dirty="0"/>
-              <a:t>Lana Bartolović – </a:t>
-            </a:r>
-            <a:r>
-              <a:rPr lang="hr-HR" sz="2400" dirty="0" err="1"/>
-              <a:t>frontend</a:t>
+              <a:t>Lana Bartolović – frontend</a:t>
+            </a:r>
+            <a:r>
+              <a:rPr lang="en-GB" sz="2400"/>
+              <a:t>, backend</a:t>
             </a:r>
             <a:endParaRPr lang="hr-HR" sz="2400" dirty="0"/>
           </a:p>
@@ -7180,15 +7203,9 @@
   <ds:schemaRefs>
     <ds:schemaRef ds:uri="http://schemas.microsoft.com/office/2006/metadata/contentType"/>
     <ds:schemaRef ds:uri="http://schemas.microsoft.com/office/2006/metadata/properties/metaAttributes"/>
+    <ds:schemaRef ds:uri="http://www.w3.org/2000/xmlns/"/>
     <ds:schemaRef ds:uri="http://www.w3.org/2001/XMLSchema"/>
-    <ds:schemaRef ds:uri="http://schemas.microsoft.com/office/2006/metadata/properties"/>
     <ds:schemaRef ds:uri="afaefaba-e537-41b9-a811-3af0589ced11"/>
-    <ds:schemaRef ds:uri="http://schemas.microsoft.com/office/2006/documentManagement/types"/>
-    <ds:schemaRef ds:uri="http://schemas.microsoft.com/office/infopath/2007/PartnerControls"/>
-    <ds:schemaRef ds:uri="http://schemas.openxmlformats.org/package/2006/metadata/core-properties"/>
-    <ds:schemaRef ds:uri="http://purl.org/dc/elements/1.1/"/>
-    <ds:schemaRef ds:uri="http://purl.org/dc/terms/"/>
-    <ds:schemaRef ds:uri="http://schemas.microsoft.com/internal/obd"/>
   </ds:schemaRefs>
 </ds:datastoreItem>
 </file>
@@ -7204,15 +7221,8 @@
 <file path=customXml/itemProps3.xml><?xml version="1.0" encoding="utf-8"?>
 <ds:datastoreItem xmlns:ds="http://schemas.openxmlformats.org/officeDocument/2006/customXml" ds:itemID="{A88FA446-5C78-4A21-8C44-6F6691EAC13D}">
   <ds:schemaRefs>
-    <ds:schemaRef ds:uri="afaefaba-e537-41b9-a811-3af0589ced11"/>
     <ds:schemaRef ds:uri="http://schemas.microsoft.com/office/2006/metadata/properties"/>
-    <ds:schemaRef ds:uri="http://www.w3.org/XML/1998/namespace"/>
-    <ds:schemaRef ds:uri="http://schemas.microsoft.com/office/2006/documentManagement/types"/>
-    <ds:schemaRef ds:uri="http://purl.org/dc/dcmitype/"/>
-    <ds:schemaRef ds:uri="http://schemas.openxmlformats.org/package/2006/metadata/core-properties"/>
-    <ds:schemaRef ds:uri="http://purl.org/dc/elements/1.1/"/>
-    <ds:schemaRef ds:uri="http://purl.org/dc/terms/"/>
-    <ds:schemaRef ds:uri="http://schemas.microsoft.com/office/infopath/2007/PartnerControls"/>
+    <ds:schemaRef ds:uri="http://www.w3.org/2000/xmlns/"/>
   </ds:schemaRefs>
 </ds:datastoreItem>
 </file>